--- a/docs/kburtram-presentation.pptx
+++ b/docs/kburtram-presentation.pptx
@@ -208,7 +208,7 @@
           <a:p>
             <a:fld id="{388C6828-01DA-4BF4-BC03-87EF35E7FDEE}" type="datetimeFigureOut">
               <a:rPr lang="en-US" smtClean="0"/>
-              <a:t>6/1/2022</a:t>
+              <a:t>6/2/2022</a:t>
             </a:fld>
             <a:endParaRPr lang="en-US"/>
           </a:p>
@@ -622,7 +622,7 @@
           <a:p>
             <a:fld id="{2E616EFE-09AF-4F60-B903-6705B5F41E08}" type="datetime1">
               <a:rPr lang="en-US" smtClean="0"/>
-              <a:t>6/1/2022</a:t>
+              <a:t>6/2/2022</a:t>
             </a:fld>
             <a:endParaRPr lang="en-US"/>
           </a:p>
@@ -820,7 +820,7 @@
           <a:p>
             <a:fld id="{070C3D0D-7CBB-4FBC-9CEE-0030FE182532}" type="datetime1">
               <a:rPr lang="en-US" smtClean="0"/>
-              <a:t>6/1/2022</a:t>
+              <a:t>6/2/2022</a:t>
             </a:fld>
             <a:endParaRPr lang="en-US"/>
           </a:p>
@@ -1028,7 +1028,7 @@
           <a:p>
             <a:fld id="{65277580-D9FA-4A6F-9C30-48B00C35E1BD}" type="datetime1">
               <a:rPr lang="en-US" smtClean="0"/>
-              <a:t>6/1/2022</a:t>
+              <a:t>6/2/2022</a:t>
             </a:fld>
             <a:endParaRPr lang="en-US"/>
           </a:p>
@@ -1226,7 +1226,7 @@
           <a:p>
             <a:fld id="{5BC9FDD2-DB7C-4B3A-A5D2-0F764C6FD0DF}" type="datetime1">
               <a:rPr lang="en-US" smtClean="0"/>
-              <a:t>6/1/2022</a:t>
+              <a:t>6/2/2022</a:t>
             </a:fld>
             <a:endParaRPr lang="en-US"/>
           </a:p>
@@ -1501,7 +1501,7 @@
           <a:p>
             <a:fld id="{1725E8DE-773E-4CD3-976E-D1A62FF61182}" type="datetime1">
               <a:rPr lang="en-US" smtClean="0"/>
-              <a:t>6/1/2022</a:t>
+              <a:t>6/2/2022</a:t>
             </a:fld>
             <a:endParaRPr lang="en-US"/>
           </a:p>
@@ -1766,7 +1766,7 @@
           <a:p>
             <a:fld id="{C87774E4-FC21-43FE-92AA-0061EDE00B57}" type="datetime1">
               <a:rPr lang="en-US" smtClean="0"/>
-              <a:t>6/1/2022</a:t>
+              <a:t>6/2/2022</a:t>
             </a:fld>
             <a:endParaRPr lang="en-US"/>
           </a:p>
@@ -2178,7 +2178,7 @@
           <a:p>
             <a:fld id="{8EB54C51-372F-45BD-ABAD-6025AB56B97B}" type="datetime1">
               <a:rPr lang="en-US" smtClean="0"/>
-              <a:t>6/1/2022</a:t>
+              <a:t>6/2/2022</a:t>
             </a:fld>
             <a:endParaRPr lang="en-US"/>
           </a:p>
@@ -2319,7 +2319,7 @@
           <a:p>
             <a:fld id="{F7A41459-8FB8-4808-ACAA-47C5F90E9D5A}" type="datetime1">
               <a:rPr lang="en-US" smtClean="0"/>
-              <a:t>6/1/2022</a:t>
+              <a:t>6/2/2022</a:t>
             </a:fld>
             <a:endParaRPr lang="en-US"/>
           </a:p>
@@ -2432,7 +2432,7 @@
           <a:p>
             <a:fld id="{E19F2853-EB8C-419B-AD80-C82402AA58D5}" type="datetime1">
               <a:rPr lang="en-US" smtClean="0"/>
-              <a:t>6/1/2022</a:t>
+              <a:t>6/2/2022</a:t>
             </a:fld>
             <a:endParaRPr lang="en-US"/>
           </a:p>
@@ -2743,7 +2743,7 @@
           <a:p>
             <a:fld id="{26BECDE1-0D88-46B9-B151-77AEFF2D548C}" type="datetime1">
               <a:rPr lang="en-US" smtClean="0"/>
-              <a:t>6/1/2022</a:t>
+              <a:t>6/2/2022</a:t>
             </a:fld>
             <a:endParaRPr lang="en-US"/>
           </a:p>
@@ -3031,7 +3031,7 @@
           <a:p>
             <a:fld id="{622A539A-4075-4769-A0F2-BBEDBD223A45}" type="datetime1">
               <a:rPr lang="en-US" smtClean="0"/>
-              <a:t>6/1/2022</a:t>
+              <a:t>6/2/2022</a:t>
             </a:fld>
             <a:endParaRPr lang="en-US"/>
           </a:p>
@@ -3272,7 +3272,7 @@
           <a:p>
             <a:fld id="{209D59E0-E009-4527-B86A-342CC0598A1F}" type="datetime1">
               <a:rPr lang="en-US" smtClean="0"/>
-              <a:t>6/1/2022</a:t>
+              <a:t>6/2/2022</a:t>
             </a:fld>
             <a:endParaRPr lang="en-US"/>
           </a:p>
@@ -5037,7 +5037,7 @@
               <a:rPr lang="en-US" smtClean="0"/>
               <a:t>12</a:t>
             </a:fld>
-            <a:endParaRPr lang="en-US"/>
+            <a:endParaRPr lang="en-US" dirty="0"/>
           </a:p>
         </p:txBody>
       </p:sp>
@@ -5083,7 +5083,7 @@
           <a:p>
             <a:r>
               <a:rPr lang="en-US" sz="3600" dirty="0"/>
-              <a:t>Complex optimizations are difficult due to local scope of cost functions and single cost value</a:t>
+              <a:t>Complex optimizations are difficult due to local scope of cost functions and single cost function value</a:t>
             </a:r>
           </a:p>
         </p:txBody>
@@ -5415,7 +5415,15 @@
           <a:p>
             <a:r>
               <a:rPr lang="en-US" sz="3600" dirty="0"/>
-              <a:t>Query performance tuning often involves using query execution plans to local suboptimal operations</a:t>
+              <a:t>Query performance tuning often involves using query execution plans </a:t>
+            </a:r>
+            <a:r>
+              <a:rPr lang="en-US" sz="3600"/>
+              <a:t>to locate </a:t>
+            </a:r>
+            <a:r>
+              <a:rPr lang="en-US" sz="3600" dirty="0"/>
+              <a:t>suboptimal operations</a:t>
             </a:r>
           </a:p>
           <a:p>
@@ -6445,13 +6453,8 @@
           <a:p>
             <a:r>
               <a:rPr lang="en-US" u="sng" dirty="0"/>
-              <a:t>Query Plan Expression </a:t>
-            </a:r>
-            <a:r>
-              <a:rPr lang="en-US" u="sng" dirty="0" err="1"/>
-              <a:t>Grammer</a:t>
-            </a:r>
-            <a:endParaRPr lang="en-US" u="sng" dirty="0"/>
+              <a:t>Query Plan Expression Grammar</a:t>
+            </a:r>
           </a:p>
           <a:p>
             <a:r>
@@ -6631,7 +6634,7 @@
           <p:nvPr>
             <p:extLst>
               <p:ext uri="{D42A27DB-BD31-4B8C-83A1-F6EECF244321}">
-                <p14:modId xmlns:p14="http://schemas.microsoft.com/office/powerpoint/2010/main" val="349529263"/>
+                <p14:modId xmlns:p14="http://schemas.microsoft.com/office/powerpoint/2010/main" val="617197555"/>
               </p:ext>
             </p:extLst>
           </p:nvPr>
@@ -7010,11 +7013,11 @@
                       </a:r>
                       <a:r>
                         <a:rPr lang="en-US" dirty="0"/>
-                        <a:t> a b) → </a:t>
+                        <a:t> a b) </a:t>
                       </a:r>
                       <a:r>
-                        <a:rPr lang="en-US" dirty="0" err="1"/>
-                        <a:t>mergeJoin</a:t>
+                        <a:rPr lang="en-US"/>
+                        <a:t>→ (mergeJoin</a:t>
                       </a:r>
                       <a:r>
                         <a:rPr lang="en-US" dirty="0"/>
@@ -7418,7 +7421,7 @@
             <a:pPr lvl="1"/>
             <a:r>
               <a:rPr lang="en-US" sz="3200" dirty="0"/>
-              <a:t>Scan if over 80% accessed otherwise Seek</a:t>
+              <a:t>Scan if over 80% accessed, Seek if less than 20%</a:t>
             </a:r>
           </a:p>
           <a:p>
